--- a/sem_project cs201.pptx
+++ b/sem_project cs201.pptx
@@ -5,15 +5,15 @@
     <p:sldMasterId id="2147483648" r:id="rId1"/>
   </p:sldMasterIdLst>
   <p:notesMasterIdLst>
-    <p:notesMasterId r:id="rId6"/>
+    <p:notesMasterId r:id="rId8"/>
   </p:notesMasterIdLst>
   <p:sldIdLst>
-    <p:sldId id="256" r:id="rId3"/>
-    <p:sldId id="259" r:id="rId4"/>
-    <p:sldId id="263" r:id="rId5"/>
-    <p:sldId id="266" r:id="rId7"/>
-    <p:sldId id="261" r:id="rId8"/>
-    <p:sldId id="265" r:id="rId9"/>
+    <p:sldId id="256" r:id="rId2"/>
+    <p:sldId id="259" r:id="rId3"/>
+    <p:sldId id="263" r:id="rId4"/>
+    <p:sldId id="266" r:id="rId5"/>
+    <p:sldId id="261" r:id="rId6"/>
+    <p:sldId id="265" r:id="rId7"/>
   </p:sldIdLst>
   <p:sldSz cx="12192000" cy="6858000"/>
   <p:notesSz cx="6858000" cy="9144000"/>
@@ -112,6 +112,22 @@
       </a:defRPr>
     </a:lvl9pPr>
   </p:defaultTextStyle>
+  <p:extLst>
+    <p:ext uri="{EFAFB233-063F-42B5-8137-9DF3F51BA10A}">
+      <p15:sldGuideLst xmlns:p15="http://schemas.microsoft.com/office/powerpoint/2012/main">
+        <p15:guide id="1" orient="horz" pos="2153">
+          <p15:clr>
+            <a:srgbClr val="A4A3A4"/>
+          </p15:clr>
+        </p15:guide>
+        <p15:guide id="2" pos="3815">
+          <p15:clr>
+            <a:srgbClr val="A4A3A4"/>
+          </p15:clr>
+        </p15:guide>
+      </p15:sldGuideLst>
+    </p:ext>
+  </p:extLst>
 </p:presentation>
 </file>
 
@@ -197,6 +213,7 @@
           <a:p>
             <a:fld id="{3EFD42F7-718C-4B98-AAEC-167E6DDD60A7}" type="datetimeFigureOut">
               <a:rPr lang="en-US" smtClean="0"/>
+              <a:t>11/26/2019</a:t>
             </a:fld>
             <a:endParaRPr lang="en-US"/>
           </a:p>
@@ -260,42 +277,37 @@
           <a:p>
             <a:pPr lvl="0"/>
             <a:r>
-              <a:rPr lang="en-US" smtClean="0"/>
+              <a:rPr lang="en-US"/>
               <a:t>Click to edit Master text styles</a:t>
             </a:r>
-            <a:endParaRPr lang="en-US" smtClean="0"/>
           </a:p>
           <a:p>
             <a:pPr lvl="1"/>
             <a:r>
-              <a:rPr lang="en-US" smtClean="0"/>
+              <a:rPr lang="en-US"/>
               <a:t>Second level</a:t>
             </a:r>
-            <a:endParaRPr lang="en-US" smtClean="0"/>
           </a:p>
           <a:p>
             <a:pPr lvl="2"/>
             <a:r>
-              <a:rPr lang="en-US" smtClean="0"/>
+              <a:rPr lang="en-US"/>
               <a:t>Third level</a:t>
             </a:r>
-            <a:endParaRPr lang="en-US" smtClean="0"/>
           </a:p>
           <a:p>
             <a:pPr lvl="3"/>
             <a:r>
-              <a:rPr lang="en-US" smtClean="0"/>
+              <a:rPr lang="en-US"/>
               <a:t>Fourth level</a:t>
             </a:r>
-            <a:endParaRPr lang="en-US" smtClean="0"/>
           </a:p>
           <a:p>
             <a:pPr lvl="4"/>
             <a:r>
-              <a:rPr lang="en-US" smtClean="0"/>
+              <a:rPr lang="en-US"/>
               <a:t>Fifth level</a:t>
             </a:r>
-            <a:endParaRPr lang="en-US"/>
           </a:p>
         </p:txBody>
       </p:sp>
@@ -359,6 +371,7 @@
           <a:p>
             <a:fld id="{21B2AA4F-B828-4D7C-AFD3-893933DAFCB4}" type="slidenum">
               <a:rPr lang="en-US" smtClean="0"/>
+              <a:t>‹#›</a:t>
             </a:fld>
             <a:endParaRPr lang="en-US"/>
           </a:p>
@@ -471,11 +484,20 @@
         <p:cNvGrpSpPr/>
         <p:nvPr/>
       </p:nvGrpSpPr>
-      <p:grpSpPr/>
+      <p:grpSpPr>
+        <a:xfrm>
+          <a:off x="0" y="0"/>
+          <a:ext cx="0" cy="0"/>
+          <a:chOff x="0" y="0"/>
+          <a:chExt cx="0" cy="0"/>
+        </a:xfrm>
+      </p:grpSpPr>
       <p:sp>
         <p:nvSpPr>
           <p:cNvPr id="2" name="Slide Image Placeholder 1"/>
-          <p:cNvSpPr/>
+          <p:cNvSpPr>
+            <a:spLocks noGrp="1" noRot="1" noChangeAspect="1"/>
+          </p:cNvSpPr>
           <p:nvPr>
             <p:ph type="sldImg" idx="2"/>
           </p:nvPr>
@@ -485,7 +507,9 @@
       <p:sp>
         <p:nvSpPr>
           <p:cNvPr id="3" name="Text Placeholder 2"/>
-          <p:cNvSpPr/>
+          <p:cNvSpPr>
+            <a:spLocks noGrp="1"/>
+          </p:cNvSpPr>
           <p:nvPr>
             <p:ph type="body" idx="3"/>
           </p:nvPr>
@@ -493,6 +517,7 @@
         <p:spPr/>
         <p:txBody>
           <a:bodyPr/>
+          <a:lstStyle/>
           <a:p>
             <a:endParaRPr lang="en-US"/>
           </a:p>
@@ -551,7 +576,6 @@
               <a:rPr lang="en-US"/>
               <a:t>Click to edit Master title style</a:t>
             </a:r>
-            <a:endParaRPr lang="en-US"/>
           </a:p>
         </p:txBody>
       </p:sp>
@@ -616,7 +640,6 @@
               <a:rPr lang="en-US"/>
               <a:t>Click to edit Master subtitle style</a:t>
             </a:r>
-            <a:endParaRPr lang="en-US"/>
           </a:p>
         </p:txBody>
       </p:sp>
@@ -637,6 +660,7 @@
           <a:p>
             <a:fld id="{63E4EDF3-9069-4F5D-BA9F-D205BAEC751D}" type="datetimeFigureOut">
               <a:rPr lang="en-US" smtClean="0"/>
+              <a:t>11/26/2019</a:t>
             </a:fld>
             <a:endParaRPr lang="en-US"/>
           </a:p>
@@ -678,6 +702,7 @@
           <a:p>
             <a:fld id="{4F289E33-22EB-4943-942F-751C612D48A7}" type="slidenum">
               <a:rPr lang="en-US" smtClean="0"/>
+              <a:t>‹#›</a:t>
             </a:fld>
             <a:endParaRPr lang="en-US"/>
           </a:p>
@@ -727,7 +752,6 @@
               <a:rPr lang="en-US"/>
               <a:t>Click to edit Master title style</a:t>
             </a:r>
-            <a:endParaRPr lang="en-US"/>
           </a:p>
         </p:txBody>
       </p:sp>
@@ -751,7 +775,6 @@
               <a:rPr lang="en-US"/>
               <a:t>Edit Master text styles</a:t>
             </a:r>
-            <a:endParaRPr lang="en-US"/>
           </a:p>
           <a:p>
             <a:pPr lvl="1"/>
@@ -759,7 +782,6 @@
               <a:rPr lang="en-US"/>
               <a:t>Second level</a:t>
             </a:r>
-            <a:endParaRPr lang="en-US"/>
           </a:p>
           <a:p>
             <a:pPr lvl="2"/>
@@ -767,7 +789,6 @@
               <a:rPr lang="en-US"/>
               <a:t>Third level</a:t>
             </a:r>
-            <a:endParaRPr lang="en-US"/>
           </a:p>
           <a:p>
             <a:pPr lvl="3"/>
@@ -775,7 +796,6 @@
               <a:rPr lang="en-US"/>
               <a:t>Fourth level</a:t>
             </a:r>
-            <a:endParaRPr lang="en-US"/>
           </a:p>
           <a:p>
             <a:pPr lvl="4"/>
@@ -783,7 +803,6 @@
               <a:rPr lang="en-US"/>
               <a:t>Fifth level</a:t>
             </a:r>
-            <a:endParaRPr lang="en-US"/>
           </a:p>
         </p:txBody>
       </p:sp>
@@ -804,6 +823,7 @@
           <a:p>
             <a:fld id="{63E4EDF3-9069-4F5D-BA9F-D205BAEC751D}" type="datetimeFigureOut">
               <a:rPr lang="en-US" smtClean="0"/>
+              <a:t>11/26/2019</a:t>
             </a:fld>
             <a:endParaRPr lang="en-US"/>
           </a:p>
@@ -845,6 +865,7 @@
           <a:p>
             <a:fld id="{4F289E33-22EB-4943-942F-751C612D48A7}" type="slidenum">
               <a:rPr lang="en-US" smtClean="0"/>
+              <a:t>‹#›</a:t>
             </a:fld>
             <a:endParaRPr lang="en-US"/>
           </a:p>
@@ -899,7 +920,6 @@
               <a:rPr lang="en-US"/>
               <a:t>Click to edit Master title style</a:t>
             </a:r>
-            <a:endParaRPr lang="en-US"/>
           </a:p>
         </p:txBody>
       </p:sp>
@@ -928,7 +948,6 @@
               <a:rPr lang="en-US"/>
               <a:t>Edit Master text styles</a:t>
             </a:r>
-            <a:endParaRPr lang="en-US"/>
           </a:p>
           <a:p>
             <a:pPr lvl="1"/>
@@ -936,7 +955,6 @@
               <a:rPr lang="en-US"/>
               <a:t>Second level</a:t>
             </a:r>
-            <a:endParaRPr lang="en-US"/>
           </a:p>
           <a:p>
             <a:pPr lvl="2"/>
@@ -944,7 +962,6 @@
               <a:rPr lang="en-US"/>
               <a:t>Third level</a:t>
             </a:r>
-            <a:endParaRPr lang="en-US"/>
           </a:p>
           <a:p>
             <a:pPr lvl="3"/>
@@ -952,7 +969,6 @@
               <a:rPr lang="en-US"/>
               <a:t>Fourth level</a:t>
             </a:r>
-            <a:endParaRPr lang="en-US"/>
           </a:p>
           <a:p>
             <a:pPr lvl="4"/>
@@ -960,7 +976,6 @@
               <a:rPr lang="en-US"/>
               <a:t>Fifth level</a:t>
             </a:r>
-            <a:endParaRPr lang="en-US"/>
           </a:p>
         </p:txBody>
       </p:sp>
@@ -981,6 +996,7 @@
           <a:p>
             <a:fld id="{63E4EDF3-9069-4F5D-BA9F-D205BAEC751D}" type="datetimeFigureOut">
               <a:rPr lang="en-US" smtClean="0"/>
+              <a:t>11/26/2019</a:t>
             </a:fld>
             <a:endParaRPr lang="en-US"/>
           </a:p>
@@ -1022,6 +1038,7 @@
           <a:p>
             <a:fld id="{4F289E33-22EB-4943-942F-751C612D48A7}" type="slidenum">
               <a:rPr lang="en-US" smtClean="0"/>
+              <a:t>‹#›</a:t>
             </a:fld>
             <a:endParaRPr lang="en-US"/>
           </a:p>
@@ -1071,7 +1088,6 @@
               <a:rPr lang="en-US"/>
               <a:t>Click to edit Master title style</a:t>
             </a:r>
-            <a:endParaRPr lang="en-US"/>
           </a:p>
         </p:txBody>
       </p:sp>
@@ -1095,7 +1111,6 @@
               <a:rPr lang="en-US"/>
               <a:t>Edit Master text styles</a:t>
             </a:r>
-            <a:endParaRPr lang="en-US"/>
           </a:p>
           <a:p>
             <a:pPr lvl="1"/>
@@ -1103,7 +1118,6 @@
               <a:rPr lang="en-US"/>
               <a:t>Second level</a:t>
             </a:r>
-            <a:endParaRPr lang="en-US"/>
           </a:p>
           <a:p>
             <a:pPr lvl="2"/>
@@ -1111,7 +1125,6 @@
               <a:rPr lang="en-US"/>
               <a:t>Third level</a:t>
             </a:r>
-            <a:endParaRPr lang="en-US"/>
           </a:p>
           <a:p>
             <a:pPr lvl="3"/>
@@ -1119,7 +1132,6 @@
               <a:rPr lang="en-US"/>
               <a:t>Fourth level</a:t>
             </a:r>
-            <a:endParaRPr lang="en-US"/>
           </a:p>
           <a:p>
             <a:pPr lvl="4"/>
@@ -1127,7 +1139,6 @@
               <a:rPr lang="en-US"/>
               <a:t>Fifth level</a:t>
             </a:r>
-            <a:endParaRPr lang="en-US"/>
           </a:p>
         </p:txBody>
       </p:sp>
@@ -1148,6 +1159,7 @@
           <a:p>
             <a:fld id="{63E4EDF3-9069-4F5D-BA9F-D205BAEC751D}" type="datetimeFigureOut">
               <a:rPr lang="en-US" smtClean="0"/>
+              <a:t>11/26/2019</a:t>
             </a:fld>
             <a:endParaRPr lang="en-US"/>
           </a:p>
@@ -1189,6 +1201,7 @@
           <a:p>
             <a:fld id="{4F289E33-22EB-4943-942F-751C612D48A7}" type="slidenum">
               <a:rPr lang="en-US" smtClean="0"/>
+              <a:t>‹#›</a:t>
             </a:fld>
             <a:endParaRPr lang="en-US"/>
           </a:p>
@@ -1247,7 +1260,6 @@
               <a:rPr lang="en-US"/>
               <a:t>Click to edit Master title style</a:t>
             </a:r>
-            <a:endParaRPr lang="en-US"/>
           </a:p>
         </p:txBody>
       </p:sp>
@@ -1367,7 +1379,6 @@
               <a:rPr lang="en-US"/>
               <a:t>Edit Master text styles</a:t>
             </a:r>
-            <a:endParaRPr lang="en-US"/>
           </a:p>
         </p:txBody>
       </p:sp>
@@ -1388,6 +1399,7 @@
           <a:p>
             <a:fld id="{63E4EDF3-9069-4F5D-BA9F-D205BAEC751D}" type="datetimeFigureOut">
               <a:rPr lang="en-US" smtClean="0"/>
+              <a:t>11/26/2019</a:t>
             </a:fld>
             <a:endParaRPr lang="en-US"/>
           </a:p>
@@ -1429,6 +1441,7 @@
           <a:p>
             <a:fld id="{4F289E33-22EB-4943-942F-751C612D48A7}" type="slidenum">
               <a:rPr lang="en-US" smtClean="0"/>
+              <a:t>‹#›</a:t>
             </a:fld>
             <a:endParaRPr lang="en-US"/>
           </a:p>
@@ -1478,7 +1491,6 @@
               <a:rPr lang="en-US"/>
               <a:t>Click to edit Master title style</a:t>
             </a:r>
-            <a:endParaRPr lang="en-US"/>
           </a:p>
         </p:txBody>
       </p:sp>
@@ -1507,7 +1519,6 @@
               <a:rPr lang="en-US"/>
               <a:t>Edit Master text styles</a:t>
             </a:r>
-            <a:endParaRPr lang="en-US"/>
           </a:p>
           <a:p>
             <a:pPr lvl="1"/>
@@ -1515,7 +1526,6 @@
               <a:rPr lang="en-US"/>
               <a:t>Second level</a:t>
             </a:r>
-            <a:endParaRPr lang="en-US"/>
           </a:p>
           <a:p>
             <a:pPr lvl="2"/>
@@ -1523,7 +1533,6 @@
               <a:rPr lang="en-US"/>
               <a:t>Third level</a:t>
             </a:r>
-            <a:endParaRPr lang="en-US"/>
           </a:p>
           <a:p>
             <a:pPr lvl="3"/>
@@ -1531,7 +1540,6 @@
               <a:rPr lang="en-US"/>
               <a:t>Fourth level</a:t>
             </a:r>
-            <a:endParaRPr lang="en-US"/>
           </a:p>
           <a:p>
             <a:pPr lvl="4"/>
@@ -1539,7 +1547,6 @@
               <a:rPr lang="en-US"/>
               <a:t>Fifth level</a:t>
             </a:r>
-            <a:endParaRPr lang="en-US"/>
           </a:p>
         </p:txBody>
       </p:sp>
@@ -1568,7 +1575,6 @@
               <a:rPr lang="en-US"/>
               <a:t>Edit Master text styles</a:t>
             </a:r>
-            <a:endParaRPr lang="en-US"/>
           </a:p>
           <a:p>
             <a:pPr lvl="1"/>
@@ -1576,7 +1582,6 @@
               <a:rPr lang="en-US"/>
               <a:t>Second level</a:t>
             </a:r>
-            <a:endParaRPr lang="en-US"/>
           </a:p>
           <a:p>
             <a:pPr lvl="2"/>
@@ -1584,7 +1589,6 @@
               <a:rPr lang="en-US"/>
               <a:t>Third level</a:t>
             </a:r>
-            <a:endParaRPr lang="en-US"/>
           </a:p>
           <a:p>
             <a:pPr lvl="3"/>
@@ -1592,7 +1596,6 @@
               <a:rPr lang="en-US"/>
               <a:t>Fourth level</a:t>
             </a:r>
-            <a:endParaRPr lang="en-US"/>
           </a:p>
           <a:p>
             <a:pPr lvl="4"/>
@@ -1600,7 +1603,6 @@
               <a:rPr lang="en-US"/>
               <a:t>Fifth level</a:t>
             </a:r>
-            <a:endParaRPr lang="en-US"/>
           </a:p>
         </p:txBody>
       </p:sp>
@@ -1621,6 +1623,7 @@
           <a:p>
             <a:fld id="{63E4EDF3-9069-4F5D-BA9F-D205BAEC751D}" type="datetimeFigureOut">
               <a:rPr lang="en-US" smtClean="0"/>
+              <a:t>11/26/2019</a:t>
             </a:fld>
             <a:endParaRPr lang="en-US"/>
           </a:p>
@@ -1662,6 +1665,7 @@
           <a:p>
             <a:fld id="{4F289E33-22EB-4943-942F-751C612D48A7}" type="slidenum">
               <a:rPr lang="en-US" smtClean="0"/>
+              <a:t>‹#›</a:t>
             </a:fld>
             <a:endParaRPr lang="en-US"/>
           </a:p>
@@ -1716,7 +1720,6 @@
               <a:rPr lang="en-US"/>
               <a:t>Click to edit Master title style</a:t>
             </a:r>
-            <a:endParaRPr lang="en-US"/>
           </a:p>
         </p:txBody>
       </p:sp>
@@ -1782,7 +1785,6 @@
               <a:rPr lang="en-US"/>
               <a:t>Edit Master text styles</a:t>
             </a:r>
-            <a:endParaRPr lang="en-US"/>
           </a:p>
         </p:txBody>
       </p:sp>
@@ -1811,7 +1813,6 @@
               <a:rPr lang="en-US"/>
               <a:t>Edit Master text styles</a:t>
             </a:r>
-            <a:endParaRPr lang="en-US"/>
           </a:p>
           <a:p>
             <a:pPr lvl="1"/>
@@ -1819,7 +1820,6 @@
               <a:rPr lang="en-US"/>
               <a:t>Second level</a:t>
             </a:r>
-            <a:endParaRPr lang="en-US"/>
           </a:p>
           <a:p>
             <a:pPr lvl="2"/>
@@ -1827,7 +1827,6 @@
               <a:rPr lang="en-US"/>
               <a:t>Third level</a:t>
             </a:r>
-            <a:endParaRPr lang="en-US"/>
           </a:p>
           <a:p>
             <a:pPr lvl="3"/>
@@ -1835,7 +1834,6 @@
               <a:rPr lang="en-US"/>
               <a:t>Fourth level</a:t>
             </a:r>
-            <a:endParaRPr lang="en-US"/>
           </a:p>
           <a:p>
             <a:pPr lvl="4"/>
@@ -1843,7 +1841,6 @@
               <a:rPr lang="en-US"/>
               <a:t>Fifth level</a:t>
             </a:r>
-            <a:endParaRPr lang="en-US"/>
           </a:p>
         </p:txBody>
       </p:sp>
@@ -1909,7 +1906,6 @@
               <a:rPr lang="en-US"/>
               <a:t>Edit Master text styles</a:t>
             </a:r>
-            <a:endParaRPr lang="en-US"/>
           </a:p>
         </p:txBody>
       </p:sp>
@@ -1938,7 +1934,6 @@
               <a:rPr lang="en-US"/>
               <a:t>Edit Master text styles</a:t>
             </a:r>
-            <a:endParaRPr lang="en-US"/>
           </a:p>
           <a:p>
             <a:pPr lvl="1"/>
@@ -1946,7 +1941,6 @@
               <a:rPr lang="en-US"/>
               <a:t>Second level</a:t>
             </a:r>
-            <a:endParaRPr lang="en-US"/>
           </a:p>
           <a:p>
             <a:pPr lvl="2"/>
@@ -1954,7 +1948,6 @@
               <a:rPr lang="en-US"/>
               <a:t>Third level</a:t>
             </a:r>
-            <a:endParaRPr lang="en-US"/>
           </a:p>
           <a:p>
             <a:pPr lvl="3"/>
@@ -1962,7 +1955,6 @@
               <a:rPr lang="en-US"/>
               <a:t>Fourth level</a:t>
             </a:r>
-            <a:endParaRPr lang="en-US"/>
           </a:p>
           <a:p>
             <a:pPr lvl="4"/>
@@ -1970,7 +1962,6 @@
               <a:rPr lang="en-US"/>
               <a:t>Fifth level</a:t>
             </a:r>
-            <a:endParaRPr lang="en-US"/>
           </a:p>
         </p:txBody>
       </p:sp>
@@ -1991,6 +1982,7 @@
           <a:p>
             <a:fld id="{63E4EDF3-9069-4F5D-BA9F-D205BAEC751D}" type="datetimeFigureOut">
               <a:rPr lang="en-US" smtClean="0"/>
+              <a:t>11/26/2019</a:t>
             </a:fld>
             <a:endParaRPr lang="en-US"/>
           </a:p>
@@ -2032,6 +2024,7 @@
           <a:p>
             <a:fld id="{4F289E33-22EB-4943-942F-751C612D48A7}" type="slidenum">
               <a:rPr lang="en-US" smtClean="0"/>
+              <a:t>‹#›</a:t>
             </a:fld>
             <a:endParaRPr lang="en-US"/>
           </a:p>
@@ -2081,7 +2074,6 @@
               <a:rPr lang="en-US"/>
               <a:t>Click to edit Master title style</a:t>
             </a:r>
-            <a:endParaRPr lang="en-US"/>
           </a:p>
         </p:txBody>
       </p:sp>
@@ -2102,6 +2094,7 @@
           <a:p>
             <a:fld id="{63E4EDF3-9069-4F5D-BA9F-D205BAEC751D}" type="datetimeFigureOut">
               <a:rPr lang="en-US" smtClean="0"/>
+              <a:t>11/26/2019</a:t>
             </a:fld>
             <a:endParaRPr lang="en-US"/>
           </a:p>
@@ -2143,6 +2136,7 @@
           <a:p>
             <a:fld id="{4F289E33-22EB-4943-942F-751C612D48A7}" type="slidenum">
               <a:rPr lang="en-US" smtClean="0"/>
+              <a:t>‹#›</a:t>
             </a:fld>
             <a:endParaRPr lang="en-US"/>
           </a:p>
@@ -2190,6 +2184,7 @@
           <a:p>
             <a:fld id="{63E4EDF3-9069-4F5D-BA9F-D205BAEC751D}" type="datetimeFigureOut">
               <a:rPr lang="en-US" smtClean="0"/>
+              <a:t>11/26/2019</a:t>
             </a:fld>
             <a:endParaRPr lang="en-US"/>
           </a:p>
@@ -2231,6 +2226,7 @@
           <a:p>
             <a:fld id="{4F289E33-22EB-4943-942F-751C612D48A7}" type="slidenum">
               <a:rPr lang="en-US" smtClean="0"/>
+              <a:t>‹#›</a:t>
             </a:fld>
             <a:endParaRPr lang="en-US"/>
           </a:p>
@@ -2289,7 +2285,6 @@
               <a:rPr lang="en-US"/>
               <a:t>Click to edit Master title style</a:t>
             </a:r>
-            <a:endParaRPr lang="en-US"/>
           </a:p>
         </p:txBody>
       </p:sp>
@@ -2346,7 +2341,6 @@
               <a:rPr lang="en-US"/>
               <a:t>Edit Master text styles</a:t>
             </a:r>
-            <a:endParaRPr lang="en-US"/>
           </a:p>
           <a:p>
             <a:pPr lvl="1"/>
@@ -2354,7 +2348,6 @@
               <a:rPr lang="en-US"/>
               <a:t>Second level</a:t>
             </a:r>
-            <a:endParaRPr lang="en-US"/>
           </a:p>
           <a:p>
             <a:pPr lvl="2"/>
@@ -2362,7 +2355,6 @@
               <a:rPr lang="en-US"/>
               <a:t>Third level</a:t>
             </a:r>
-            <a:endParaRPr lang="en-US"/>
           </a:p>
           <a:p>
             <a:pPr lvl="3"/>
@@ -2370,7 +2362,6 @@
               <a:rPr lang="en-US"/>
               <a:t>Fourth level</a:t>
             </a:r>
-            <a:endParaRPr lang="en-US"/>
           </a:p>
           <a:p>
             <a:pPr lvl="4"/>
@@ -2378,7 +2369,6 @@
               <a:rPr lang="en-US"/>
               <a:t>Fifth level</a:t>
             </a:r>
-            <a:endParaRPr lang="en-US"/>
           </a:p>
         </p:txBody>
       </p:sp>
@@ -2444,7 +2434,6 @@
               <a:rPr lang="en-US"/>
               <a:t>Edit Master text styles</a:t>
             </a:r>
-            <a:endParaRPr lang="en-US"/>
           </a:p>
         </p:txBody>
       </p:sp>
@@ -2465,6 +2454,7 @@
           <a:p>
             <a:fld id="{63E4EDF3-9069-4F5D-BA9F-D205BAEC751D}" type="datetimeFigureOut">
               <a:rPr lang="en-US" smtClean="0"/>
+              <a:t>11/26/2019</a:t>
             </a:fld>
             <a:endParaRPr lang="en-US"/>
           </a:p>
@@ -2506,6 +2496,7 @@
           <a:p>
             <a:fld id="{4F289E33-22EB-4943-942F-751C612D48A7}" type="slidenum">
               <a:rPr lang="en-US" smtClean="0"/>
+              <a:t>‹#›</a:t>
             </a:fld>
             <a:endParaRPr lang="en-US"/>
           </a:p>
@@ -2564,7 +2555,6 @@
               <a:rPr lang="en-US"/>
               <a:t>Click to edit Master title style</a:t>
             </a:r>
-            <a:endParaRPr lang="en-US"/>
           </a:p>
         </p:txBody>
       </p:sp>
@@ -2691,7 +2681,6 @@
               <a:rPr lang="en-US"/>
               <a:t>Edit Master text styles</a:t>
             </a:r>
-            <a:endParaRPr lang="en-US"/>
           </a:p>
         </p:txBody>
       </p:sp>
@@ -2712,6 +2701,7 @@
           <a:p>
             <a:fld id="{63E4EDF3-9069-4F5D-BA9F-D205BAEC751D}" type="datetimeFigureOut">
               <a:rPr lang="en-US" smtClean="0"/>
+              <a:t>11/26/2019</a:t>
             </a:fld>
             <a:endParaRPr lang="en-US"/>
           </a:p>
@@ -2753,6 +2743,7 @@
           <a:p>
             <a:fld id="{4F289E33-22EB-4943-942F-751C612D48A7}" type="slidenum">
               <a:rPr lang="en-US" smtClean="0"/>
+              <a:t>‹#›</a:t>
             </a:fld>
             <a:endParaRPr lang="en-US"/>
           </a:p>
@@ -2817,7 +2808,6 @@
               <a:rPr lang="en-US"/>
               <a:t>Click to edit Master title style</a:t>
             </a:r>
-            <a:endParaRPr lang="en-US"/>
           </a:p>
         </p:txBody>
       </p:sp>
@@ -2851,7 +2841,6 @@
               <a:rPr lang="en-US"/>
               <a:t>Edit Master text styles</a:t>
             </a:r>
-            <a:endParaRPr lang="en-US"/>
           </a:p>
           <a:p>
             <a:pPr lvl="1"/>
@@ -2859,7 +2848,6 @@
               <a:rPr lang="en-US"/>
               <a:t>Second level</a:t>
             </a:r>
-            <a:endParaRPr lang="en-US"/>
           </a:p>
           <a:p>
             <a:pPr lvl="2"/>
@@ -2867,7 +2855,6 @@
               <a:rPr lang="en-US"/>
               <a:t>Third level</a:t>
             </a:r>
-            <a:endParaRPr lang="en-US"/>
           </a:p>
           <a:p>
             <a:pPr lvl="3"/>
@@ -2875,7 +2862,6 @@
               <a:rPr lang="en-US"/>
               <a:t>Fourth level</a:t>
             </a:r>
-            <a:endParaRPr lang="en-US"/>
           </a:p>
           <a:p>
             <a:pPr lvl="4"/>
@@ -2883,7 +2869,6 @@
               <a:rPr lang="en-US"/>
               <a:t>Fifth level</a:t>
             </a:r>
-            <a:endParaRPr lang="en-US"/>
           </a:p>
         </p:txBody>
       </p:sp>
@@ -2922,6 +2907,7 @@
           <a:p>
             <a:fld id="{63E4EDF3-9069-4F5D-BA9F-D205BAEC751D}" type="datetimeFigureOut">
               <a:rPr lang="en-US" smtClean="0"/>
+              <a:t>11/26/2019</a:t>
             </a:fld>
             <a:endParaRPr lang="en-US"/>
           </a:p>
@@ -2999,6 +2985,7 @@
           <a:p>
             <a:fld id="{4F289E33-22EB-4943-942F-751C612D48A7}" type="slidenum">
               <a:rPr lang="en-US" smtClean="0"/>
+              <a:t>‹#›</a:t>
             </a:fld>
             <a:endParaRPr lang="en-US"/>
           </a:p>
@@ -3013,7 +3000,7 @@
           <p:nvPr userDrawn="1"/>
         </p:nvPicPr>
         <p:blipFill>
-          <a:blip r:embed="rId12"/>
+          <a:blip r:embed="rId13"/>
           <a:srcRect/>
           <a:stretch>
             <a:fillRect/>
@@ -3380,10 +3367,6 @@
               </a:rPr>
               <a:t>Presented By </a:t>
             </a:r>
-            <a:endParaRPr lang="en-US" sz="2800" b="1" dirty="0">
-              <a:latin typeface="Times New Roman" panose="02020603050405020304" pitchFamily="18" charset="0"/>
-              <a:cs typeface="Times New Roman" panose="02020603050405020304" pitchFamily="18" charset="0"/>
-            </a:endParaRPr>
           </a:p>
           <a:p>
             <a:r>
@@ -3511,10 +3494,6 @@
               </a:rPr>
               <a:t>9</a:t>
             </a:r>
-            <a:endParaRPr lang="en-IN" altLang="en-US" sz="3600" b="1" dirty="0">
-              <a:latin typeface="Times New Roman" panose="02020603050405020304" pitchFamily="18" charset="0"/>
-              <a:cs typeface="Times New Roman" panose="02020603050405020304" pitchFamily="18" charset="0"/>
-            </a:endParaRPr>
           </a:p>
         </p:txBody>
       </p:sp>
@@ -3546,10 +3525,6 @@
               </a:rPr>
               <a:t>Under the guidance of</a:t>
             </a:r>
-            <a:endParaRPr lang="en-US" sz="2800" b="1" dirty="0">
-              <a:latin typeface="Times New Roman" panose="02020603050405020304" pitchFamily="18" charset="0"/>
-              <a:cs typeface="Times New Roman" panose="02020603050405020304" pitchFamily="18" charset="0"/>
-            </a:endParaRPr>
           </a:p>
           <a:p>
             <a:r>
@@ -3559,10 +3534,6 @@
               </a:rPr>
               <a:t>Dr. Pritee Khanna</a:t>
             </a:r>
-            <a:endParaRPr lang="en-US" sz="2800" dirty="0">
-              <a:latin typeface="Times New Roman" panose="02020603050405020304" pitchFamily="18" charset="0"/>
-              <a:cs typeface="Times New Roman" panose="02020603050405020304" pitchFamily="18" charset="0"/>
-            </a:endParaRPr>
           </a:p>
           <a:p>
             <a:r>
@@ -3572,10 +3543,6 @@
               </a:rPr>
               <a:t>Associate Professor</a:t>
             </a:r>
-            <a:endParaRPr lang="en-US" sz="2800" dirty="0">
-              <a:latin typeface="Times New Roman" panose="02020603050405020304" pitchFamily="18" charset="0"/>
-              <a:cs typeface="Times New Roman" panose="02020603050405020304" pitchFamily="18" charset="0"/>
-            </a:endParaRPr>
           </a:p>
           <a:p>
             <a:r>
@@ -3585,10 +3552,6 @@
               </a:rPr>
               <a:t>Computer Science &amp; Engineering</a:t>
             </a:r>
-            <a:endParaRPr lang="en-US" sz="2800" dirty="0">
-              <a:latin typeface="Times New Roman" panose="02020603050405020304" pitchFamily="18" charset="0"/>
-              <a:cs typeface="Times New Roman" panose="02020603050405020304" pitchFamily="18" charset="0"/>
-            </a:endParaRPr>
           </a:p>
           <a:p>
             <a:endParaRPr lang="en-US" sz="2800" dirty="0">
@@ -3697,10 +3660,6 @@
               </a:rPr>
               <a:t>Institute's Clubs and Senate Management System</a:t>
             </a:r>
-            <a:endParaRPr lang="en-IN" sz="3800" b="1" spc="300" dirty="0">
-              <a:latin typeface="Times New Roman" panose="02020603050405020304" pitchFamily="18" charset="0"/>
-              <a:cs typeface="Times New Roman" panose="02020603050405020304" pitchFamily="18" charset="0"/>
-            </a:endParaRPr>
           </a:p>
         </p:txBody>
       </p:sp>
@@ -3779,17 +3738,6 @@
               </a:rPr>
               <a:t>OBJECTIVES</a:t>
             </a:r>
-            <a:endParaRPr lang="en-IN" sz="4400" b="1" dirty="0">
-              <a:effectLst>
-                <a:outerShdw blurRad="38100" dist="38100" dir="2700000" algn="tl">
-                  <a:srgbClr val="000000">
-                    <a:alpha val="43137"/>
-                  </a:srgbClr>
-                </a:outerShdw>
-              </a:effectLst>
-              <a:latin typeface="Times New Roman" panose="02020603050405020304" pitchFamily="18" charset="0"/>
-              <a:cs typeface="Times New Roman" panose="02020603050405020304" pitchFamily="18" charset="0"/>
-            </a:endParaRPr>
           </a:p>
         </p:txBody>
       </p:sp>
@@ -3833,7 +3781,6 @@
               <a:rPr lang="en-IN" sz="2800" dirty="0"/>
               <a:t>Online Voting</a:t>
             </a:r>
-            <a:endParaRPr lang="en-IN" sz="2800" dirty="0"/>
           </a:p>
         </p:txBody>
       </p:sp>
@@ -3877,7 +3824,6 @@
               <a:rPr lang="en-IN" sz="2800" dirty="0"/>
               <a:t>Saves time </a:t>
             </a:r>
-            <a:endParaRPr lang="en-IN" sz="2800" dirty="0"/>
           </a:p>
         </p:txBody>
       </p:sp>
@@ -3928,7 +3874,6 @@
               <a:rPr lang="en-IN" sz="2800" dirty="0"/>
               <a:t>One place for all clubs</a:t>
             </a:r>
-            <a:endParaRPr lang="en-IN" sz="2800" dirty="0"/>
           </a:p>
         </p:txBody>
       </p:sp>
@@ -3972,7 +3917,6 @@
               <a:rPr lang="en-IN" sz="2800" dirty="0"/>
               <a:t>Online management of clubs</a:t>
             </a:r>
-            <a:endParaRPr lang="en-IN" sz="2800" dirty="0"/>
           </a:p>
         </p:txBody>
       </p:sp>
@@ -4018,7 +3962,7 @@
           <a:p>
             <a:pPr algn="ctr"/>
             <a:r>
-              <a:rPr lang="en-IN" sz="3000" b="1" spc="300" dirty="0">
+              <a:rPr lang="en-IN" sz="2800" b="1" spc="300" dirty="0">
                 <a:latin typeface="Arial Unicode MS" panose="020B0604020202020204" charset="-122"/>
                 <a:ea typeface="Arial Unicode MS" panose="020B0604020202020204" charset="-122"/>
                 <a:cs typeface="Arial" panose="020B0604020202020204" pitchFamily="34" charset="0"/>
@@ -4026,7 +3970,7 @@
               </a:rPr>
               <a:t> Clubs and Senate Management System</a:t>
             </a:r>
-            <a:endParaRPr lang="en-IN" sz="3000" b="1" dirty="0">
+            <a:endParaRPr lang="en-IN" sz="2800" b="1" dirty="0">
               <a:effectLst>
                 <a:outerShdw blurRad="38100" dist="38100" dir="2700000" algn="tl">
                   <a:srgbClr val="000000">
@@ -4081,7 +4025,6 @@
               <a:rPr lang="en-IN" sz="2800" dirty="0"/>
               <a:t>Reduces human error</a:t>
             </a:r>
-            <a:endParaRPr lang="en-IN" sz="2800" dirty="0"/>
           </a:p>
         </p:txBody>
       </p:sp>
@@ -4125,7 +4068,6 @@
               <a:rPr lang="en-IN" sz="2800" dirty="0"/>
               <a:t>Efficient and secure method</a:t>
             </a:r>
-            <a:endParaRPr lang="en-IN" sz="2800" dirty="0"/>
           </a:p>
         </p:txBody>
       </p:sp>
@@ -4207,19 +4149,6 @@
               </a:rPr>
               <a:t>Design View</a:t>
             </a:r>
-            <a:endParaRPr kumimoji="0" lang="en-IN" sz="4400" b="1" i="0" u="none" strike="noStrike" kern="1200" cap="none" spc="300" normalizeH="0" baseline="0" noProof="0" dirty="0">
-              <a:ln>
-                <a:noFill/>
-              </a:ln>
-              <a:solidFill>
-                <a:schemeClr val="tx1"/>
-              </a:solidFill>
-              <a:uLnTx/>
-              <a:uFillTx/>
-              <a:latin typeface="Times New Roman" panose="02020603050405020304" pitchFamily="18" charset="0"/>
-              <a:ea typeface="+mj-ea"/>
-              <a:cs typeface="Times New Roman" panose="02020603050405020304" pitchFamily="18" charset="0"/>
-            </a:endParaRPr>
           </a:p>
         </p:txBody>
       </p:sp>
@@ -4272,7 +4201,7 @@
           <p:nvPr/>
         </p:nvPicPr>
         <p:blipFill>
-          <a:blip r:embed="rId1"/>
+          <a:blip r:embed="rId3"/>
           <a:stretch>
             <a:fillRect/>
           </a:stretch>
@@ -4417,20 +4346,6 @@
               </a:rPr>
               <a:t>Php</a:t>
             </a:r>
-            <a:endParaRPr kumimoji="0" lang="en-IN" sz="3500" u="none" strike="noStrike" kern="1200" cap="none" spc="0" normalizeH="0" baseline="0" noProof="0" dirty="0">
-              <a:ln>
-                <a:noFill/>
-              </a:ln>
-              <a:solidFill>
-                <a:schemeClr val="tx1"/>
-              </a:solidFill>
-              <a:effectLst/>
-              <a:uLnTx/>
-              <a:uFillTx/>
-              <a:latin typeface="+mn-lt"/>
-              <a:ea typeface="+mn-ea"/>
-              <a:cs typeface="+mn-cs"/>
-            </a:endParaRPr>
           </a:p>
           <a:p>
             <a:pPr marL="685800" marR="0" lvl="0" indent="-685800" algn="l" defTabSz="914400" rtl="0" eaLnBrk="1" fontAlgn="auto" latinLnBrk="0" hangingPunct="1">
@@ -4466,20 +4381,6 @@
               </a:rPr>
               <a:t>Wamp</a:t>
             </a:r>
-            <a:endParaRPr kumimoji="0" lang="en-IN" sz="3500" u="none" strike="noStrike" kern="1200" cap="none" spc="0" normalizeH="0" baseline="0" noProof="0" dirty="0">
-              <a:ln>
-                <a:noFill/>
-              </a:ln>
-              <a:solidFill>
-                <a:schemeClr val="tx1"/>
-              </a:solidFill>
-              <a:effectLst/>
-              <a:uLnTx/>
-              <a:uFillTx/>
-              <a:latin typeface="+mn-lt"/>
-              <a:ea typeface="+mn-ea"/>
-              <a:cs typeface="+mn-cs"/>
-            </a:endParaRPr>
           </a:p>
           <a:p>
             <a:pPr marL="685800" marR="0" lvl="0" indent="-685800" algn="l" defTabSz="914400" rtl="0" eaLnBrk="1" fontAlgn="auto" latinLnBrk="0" hangingPunct="1">
@@ -4515,20 +4416,6 @@
               </a:rPr>
               <a:t>HTML and CSS</a:t>
             </a:r>
-            <a:endParaRPr kumimoji="0" lang="en-IN" sz="3500" u="none" strike="noStrike" kern="1200" cap="none" spc="0" normalizeH="0" baseline="0" noProof="0" dirty="0">
-              <a:ln>
-                <a:noFill/>
-              </a:ln>
-              <a:solidFill>
-                <a:schemeClr val="tx1"/>
-              </a:solidFill>
-              <a:effectLst/>
-              <a:uLnTx/>
-              <a:uFillTx/>
-              <a:latin typeface="+mn-lt"/>
-              <a:ea typeface="+mn-ea"/>
-              <a:cs typeface="+mn-cs"/>
-            </a:endParaRPr>
           </a:p>
           <a:p>
             <a:pPr marL="685800" marR="0" lvl="0" indent="-685800" algn="l" defTabSz="914400" rtl="0" eaLnBrk="1" fontAlgn="auto" latinLnBrk="0" hangingPunct="1">
@@ -4564,20 +4451,6 @@
               </a:rPr>
               <a:t>CSS framework Bootstrap</a:t>
             </a:r>
-            <a:endParaRPr kumimoji="0" lang="en-IN" sz="3500" u="none" strike="noStrike" kern="1200" cap="none" spc="0" normalizeH="0" baseline="0" noProof="0" dirty="0">
-              <a:ln>
-                <a:noFill/>
-              </a:ln>
-              <a:solidFill>
-                <a:schemeClr val="tx1"/>
-              </a:solidFill>
-              <a:effectLst/>
-              <a:uLnTx/>
-              <a:uFillTx/>
-              <a:latin typeface="+mn-lt"/>
-              <a:ea typeface="+mn-ea"/>
-              <a:cs typeface="+mn-cs"/>
-            </a:endParaRPr>
           </a:p>
           <a:p>
             <a:pPr marL="228600" marR="0" lvl="0" indent="-228600" algn="l" defTabSz="914400" rtl="0" eaLnBrk="1" fontAlgn="auto" latinLnBrk="0" hangingPunct="1">
@@ -4697,20 +4570,6 @@
               </a:rPr>
               <a:t>Software used</a:t>
             </a:r>
-            <a:endParaRPr kumimoji="0" lang="en-IN" sz="4400" b="1" u="sng" strike="noStrike" kern="1200" cap="none" spc="0" normalizeH="0" baseline="0" noProof="0" dirty="0">
-              <a:ln>
-                <a:noFill/>
-              </a:ln>
-              <a:solidFill>
-                <a:schemeClr val="tx1"/>
-              </a:solidFill>
-              <a:effectLst/>
-              <a:uLnTx/>
-              <a:uFillTx/>
-              <a:latin typeface="+mn-lt"/>
-              <a:ea typeface="+mn-ea"/>
-              <a:cs typeface="+mn-cs"/>
-            </a:endParaRPr>
           </a:p>
         </p:txBody>
       </p:sp>
@@ -4790,19 +4649,6 @@
               </a:rPr>
               <a:t>Steps to run website in your computer</a:t>
             </a:r>
-            <a:endParaRPr kumimoji="0" lang="en-IN" sz="4400" b="1" i="0" u="sng" strike="noStrike" kern="1200" cap="none" spc="300" normalizeH="0" baseline="0" noProof="0" dirty="0">
-              <a:ln>
-                <a:noFill/>
-              </a:ln>
-              <a:solidFill>
-                <a:schemeClr val="tx1"/>
-              </a:solidFill>
-              <a:uLnTx/>
-              <a:uFillTx/>
-              <a:latin typeface="Times New Roman" panose="02020603050405020304" pitchFamily="18" charset="0"/>
-              <a:ea typeface="+mj-ea"/>
-              <a:cs typeface="Times New Roman" panose="02020603050405020304" pitchFamily="18" charset="0"/>
-            </a:endParaRPr>
           </a:p>
         </p:txBody>
       </p:sp>
@@ -4860,20 +4706,6 @@
               </a:rPr>
               <a:t>Copy files in C:\wamp64\www folder</a:t>
             </a:r>
-            <a:endParaRPr kumimoji="0" lang="en-IN" altLang="en-US" sz="2800" b="0" i="0" strike="noStrike" kern="1200" cap="none" spc="0" normalizeH="0" baseline="0" noProof="0" dirty="0">
-              <a:ln>
-                <a:noFill/>
-              </a:ln>
-              <a:solidFill>
-                <a:schemeClr val="tx1"/>
-              </a:solidFill>
-              <a:effectLst/>
-              <a:uLnTx/>
-              <a:uFillTx/>
-              <a:latin typeface="+mn-lt"/>
-              <a:ea typeface="+mn-ea"/>
-              <a:cs typeface="+mn-cs"/>
-            </a:endParaRPr>
           </a:p>
           <a:p>
             <a:pPr marL="228600" marR="0" lvl="0" indent="-228600" algn="l" defTabSz="914400" rtl="0" eaLnBrk="1" fontAlgn="auto" latinLnBrk="0" hangingPunct="1">
@@ -4909,20 +4741,6 @@
               </a:rPr>
               <a:t>Run WAMP server</a:t>
             </a:r>
-            <a:endParaRPr kumimoji="0" lang="en-IN" altLang="en-US" sz="2800" b="0" i="0" strike="noStrike" kern="1200" cap="none" spc="0" normalizeH="0" baseline="0" noProof="0" dirty="0">
-              <a:ln>
-                <a:noFill/>
-              </a:ln>
-              <a:solidFill>
-                <a:schemeClr val="tx1"/>
-              </a:solidFill>
-              <a:effectLst/>
-              <a:uLnTx/>
-              <a:uFillTx/>
-              <a:latin typeface="+mn-lt"/>
-              <a:ea typeface="+mn-ea"/>
-              <a:cs typeface="+mn-cs"/>
-            </a:endParaRPr>
           </a:p>
           <a:p>
             <a:pPr marL="228600" marR="0" lvl="0" indent="-228600" algn="l" defTabSz="914400" rtl="0" eaLnBrk="1" fontAlgn="auto" latinLnBrk="0" hangingPunct="1">
@@ -4958,20 +4776,6 @@
               </a:rPr>
               <a:t>Copy database.txt and paste in SQl terminal</a:t>
             </a:r>
-            <a:endParaRPr kumimoji="0" lang="en-IN" altLang="en-US" sz="2800" b="0" i="0" strike="noStrike" kern="1200" cap="none" spc="0" normalizeH="0" baseline="0" noProof="0" dirty="0">
-              <a:ln>
-                <a:noFill/>
-              </a:ln>
-              <a:solidFill>
-                <a:schemeClr val="tx1"/>
-              </a:solidFill>
-              <a:effectLst/>
-              <a:uLnTx/>
-              <a:uFillTx/>
-              <a:latin typeface="+mn-lt"/>
-              <a:ea typeface="+mn-ea"/>
-              <a:cs typeface="+mn-cs"/>
-            </a:endParaRPr>
           </a:p>
           <a:p>
             <a:pPr marL="228600" marR="0" lvl="0" indent="-228600" algn="l" defTabSz="914400" rtl="0" eaLnBrk="1" fontAlgn="auto" latinLnBrk="0" hangingPunct="1">
@@ -5007,20 +4811,6 @@
               </a:rPr>
               <a:t>Now database is created</a:t>
             </a:r>
-            <a:endParaRPr kumimoji="0" lang="en-IN" altLang="en-US" sz="2800" b="0" i="0" strike="noStrike" kern="1200" cap="none" spc="0" normalizeH="0" baseline="0" noProof="0" dirty="0">
-              <a:ln>
-                <a:noFill/>
-              </a:ln>
-              <a:solidFill>
-                <a:schemeClr val="tx1"/>
-              </a:solidFill>
-              <a:effectLst/>
-              <a:uLnTx/>
-              <a:uFillTx/>
-              <a:latin typeface="+mn-lt"/>
-              <a:ea typeface="+mn-ea"/>
-              <a:cs typeface="+mn-cs"/>
-            </a:endParaRPr>
           </a:p>
           <a:p>
             <a:pPr marL="228600" marR="0" lvl="0" indent="-228600" algn="l" defTabSz="914400" rtl="0" eaLnBrk="1" fontAlgn="auto" latinLnBrk="0" hangingPunct="1">
@@ -5056,20 +4846,6 @@
               </a:rPr>
               <a:t>Open http://localhost/CMS/base.php in browser</a:t>
             </a:r>
-            <a:endParaRPr kumimoji="0" lang="en-IN" altLang="en-US" sz="2800" b="0" i="0" strike="noStrike" kern="1200" cap="none" spc="0" normalizeH="0" baseline="0" noProof="0" dirty="0">
-              <a:ln>
-                <a:noFill/>
-              </a:ln>
-              <a:solidFill>
-                <a:schemeClr val="tx1"/>
-              </a:solidFill>
-              <a:effectLst/>
-              <a:uLnTx/>
-              <a:uFillTx/>
-              <a:latin typeface="+mn-lt"/>
-              <a:ea typeface="+mn-ea"/>
-              <a:cs typeface="+mn-cs"/>
-            </a:endParaRPr>
           </a:p>
           <a:p>
             <a:pPr marL="228600" marR="0" lvl="0" indent="-228600" algn="l" defTabSz="914400" rtl="0" eaLnBrk="1" fontAlgn="auto" latinLnBrk="0" hangingPunct="1">
@@ -5263,17 +5039,6 @@
               </a:rPr>
               <a:t>THANK  YOU</a:t>
             </a:r>
-            <a:endParaRPr lang="en-IN" sz="6000" b="1" spc="300" dirty="0">
-              <a:effectLst>
-                <a:outerShdw blurRad="38100" dist="38100" dir="2700000" algn="tl">
-                  <a:srgbClr val="000000">
-                    <a:alpha val="43137"/>
-                  </a:srgbClr>
-                </a:outerShdw>
-              </a:effectLst>
-              <a:latin typeface="Times New Roman" panose="02020603050405020304" pitchFamily="18" charset="0"/>
-              <a:cs typeface="Times New Roman" panose="02020603050405020304" pitchFamily="18" charset="0"/>
-            </a:endParaRPr>
           </a:p>
         </p:txBody>
       </p:sp>
@@ -5536,6 +5301,8 @@
       </a:bgFillStyleLst>
     </a:fmtScheme>
   </a:themeElements>
+  <a:objectDefaults/>
+  <a:extraClrSchemeLst/>
   <a:extLst>
     <a:ext uri="{05A4C25C-085E-4340-85A3-A5531E510DB2}">
       <thm15:themeFamily xmlns:thm15="http://schemas.microsoft.com/office/thememl/2012/main" name="Office Theme" id="{62F939B6-93AF-4DB8-9C6B-D6C7DFDC589F}" vid="{4A3C46E8-61CC-4603-A589-7422A47A8E4A}"/>
@@ -5795,6 +5562,8 @@
       </a:bgFillStyleLst>
     </a:fmtScheme>
   </a:themeElements>
+  <a:objectDefaults/>
+  <a:extraClrSchemeLst/>
   <a:extLst>
     <a:ext uri="{05A4C25C-085E-4340-85A3-A5531E510DB2}">
       <thm15:themeFamily xmlns:thm15="http://schemas.microsoft.com/office/thememl/2012/main" name="Office Theme" id="{62F939B6-93AF-4DB8-9C6B-D6C7DFDC589F}" vid="{4A3C46E8-61CC-4603-A589-7422A47A8E4A}"/>
